--- a/opening-remarks-geohumanities.pptx
+++ b/opening-remarks-geohumanities.pptx
@@ -4880,11 +4880,6 @@
               </a:rPr>
               <a:t>Social class and taste in the context of US cities: Validating Bourdieu’s theory of distinction using restaurant reviews</a:t>
             </a:r>
-            <a:endParaRPr lang="en-US" b="1" i="1" dirty="0">
-              <a:solidFill>
-                <a:srgbClr val="000000"/>
-              </a:solidFill>
-            </a:endParaRPr>
           </a:p>
         </p:txBody>
       </p:sp>
@@ -4942,6 +4937,111 @@
               <a:t>18</a:t>
             </a:r>
             <a:endParaRPr lang="en-US" dirty="0"/>
+          </a:p>
+        </p:txBody>
+      </p:sp>
+      <p:sp>
+        <p:nvSpPr>
+          <p:cNvPr id="4" name="Content Placeholder 2"/>
+          <p:cNvSpPr>
+            <a:spLocks noGrp="1"/>
+          </p:cNvSpPr>
+          <p:nvPr>
+            <p:ph idx="1"/>
+          </p:nvPr>
+        </p:nvSpPr>
+        <p:spPr>
+          <a:xfrm>
+            <a:off x="762000" y="685800"/>
+            <a:ext cx="7543800" cy="3886200"/>
+          </a:xfrm>
+        </p:spPr>
+        <p:txBody>
+          <a:bodyPr>
+            <a:normAutofit/>
+          </a:bodyPr>
+          <a:lstStyle/>
+          <a:p>
+            <a:r>
+              <a:rPr lang="en-US" sz="2800" b="1" dirty="0">
+                <a:solidFill>
+                  <a:srgbClr val="000000"/>
+                </a:solidFill>
+              </a:rPr>
+              <a:t>Proceedings of the 2nd ACM SIGSPATIAL Workshop on Geospatial </a:t>
+            </a:r>
+            <a:r>
+              <a:rPr lang="en-US" sz="2800" b="1">
+                <a:solidFill>
+                  <a:srgbClr val="000000"/>
+                </a:solidFill>
+              </a:rPr>
+              <a:t>Humanities </a:t>
+            </a:r>
+            <a:r>
+              <a:rPr lang="en-US" sz="2800" b="1" smtClean="0">
+                <a:solidFill>
+                  <a:srgbClr val="000000"/>
+                </a:solidFill>
+              </a:rPr>
+              <a:t>now available </a:t>
+            </a:r>
+            <a:r>
+              <a:rPr lang="en-US" sz="2800" b="1" dirty="0">
+                <a:solidFill>
+                  <a:srgbClr val="000000"/>
+                </a:solidFill>
+              </a:rPr>
+              <a:t>from ACM Digital </a:t>
+            </a:r>
+            <a:r>
+              <a:rPr lang="en-US" sz="2800" b="1" dirty="0" smtClean="0">
+                <a:solidFill>
+                  <a:srgbClr val="000000"/>
+                </a:solidFill>
+              </a:rPr>
+              <a:t>Library</a:t>
+            </a:r>
+          </a:p>
+          <a:p>
+            <a:endParaRPr lang="en-US" sz="2800" dirty="0">
+              <a:solidFill>
+                <a:srgbClr val="000000"/>
+              </a:solidFill>
+            </a:endParaRPr>
+          </a:p>
+          <a:p>
+            <a:r>
+              <a:rPr lang="en-US" sz="2800" dirty="0">
+                <a:solidFill>
+                  <a:srgbClr val="000000"/>
+                </a:solidFill>
+                <a:hlinkClick r:id="rId2"/>
+              </a:rPr>
+              <a:t>https://dl.acm.org/citation.cfm?id=</a:t>
+            </a:r>
+            <a:r>
+              <a:rPr lang="en-US" sz="2800" dirty="0" smtClean="0">
+                <a:solidFill>
+                  <a:srgbClr val="000000"/>
+                </a:solidFill>
+                <a:hlinkClick r:id="rId2"/>
+              </a:rPr>
+              <a:t>3282933</a:t>
+            </a:r>
+            <a:r>
+              <a:rPr lang="en-US" sz="2800" dirty="0" smtClean="0">
+                <a:solidFill>
+                  <a:srgbClr val="000000"/>
+                </a:solidFill>
+              </a:rPr>
+              <a:t> </a:t>
+            </a:r>
+            <a:endParaRPr lang="en-US" sz="2800" dirty="0">
+              <a:solidFill>
+                <a:srgbClr val="000000"/>
+              </a:solidFill>
+            </a:endParaRPr>
           </a:p>
         </p:txBody>
       </p:sp>
